--- a/Seoul_Bike_Sharing_Demand.pptx
+++ b/Seoul_Bike_Sharing_Demand.pptx
@@ -8025,7 +8025,7 @@
         </p:spPr>
         <p:txBody>
           <a:bodyPr>
-            <a:normAutofit fontScale="85000" lnSpcReduction="20000"/>
+            <a:normAutofit fontScale="70000" lnSpcReduction="20000"/>
           </a:bodyPr>
           <a:lstStyle/>
           <a:p>
@@ -8127,6 +8127,12 @@
             <a:r>
               <a:rPr lang="de-DE" dirty="0"/>
               <a:t> Day “Yes“</a:t>
+            </a:r>
+          </a:p>
+          <a:p>
+            <a:r>
+              <a:rPr lang="de-DE" dirty="0"/>
+              <a:t>	MAE = 290.9242</a:t>
             </a:r>
           </a:p>
           <a:p>
@@ -8165,7 +8171,7 @@
         </p:blipFill>
         <p:spPr>
           <a:xfrm>
-            <a:off x="6309309" y="3010253"/>
+            <a:off x="6204461" y="2868152"/>
             <a:ext cx="1670080" cy="1121695"/>
           </a:xfrm>
           <a:prstGeom prst="rect">
@@ -8195,7 +8201,7 @@
         </p:blipFill>
         <p:spPr>
           <a:xfrm>
-            <a:off x="8216840" y="3010253"/>
+            <a:off x="8170985" y="2868152"/>
             <a:ext cx="1473839" cy="2274643"/>
           </a:xfrm>
           <a:prstGeom prst="rect">
@@ -8225,7 +8231,7 @@
         </p:blipFill>
         <p:spPr>
           <a:xfrm>
-            <a:off x="10000382" y="3018909"/>
+            <a:off x="9941268" y="2868152"/>
             <a:ext cx="1862169" cy="649819"/>
           </a:xfrm>
           <a:prstGeom prst="rect">
